--- a/import.pptx
+++ b/import.pptx
@@ -3198,14 +3198,23 @@
           <a:lstStyle/>
           <a:p>
             <a:r>
-              <a:rPr lang="fr-FR" dirty="0" err="1" smtClean="0"/>
+              <a:rPr lang="fr-FR" sz="1500" dirty="0" err="1" smtClean="0">
+                <a:latin typeface="Courier"/>
+                <a:cs typeface="Courier"/>
+              </a:rPr>
               <a:t>asq</a:t>
             </a:r>
             <a:r>
-              <a:rPr lang="fr-FR" dirty="0" smtClean="0"/>
+              <a:rPr lang="fr-FR" sz="1500" dirty="0" smtClean="0">
+                <a:latin typeface="Courier"/>
+                <a:cs typeface="Courier"/>
+              </a:rPr>
               <a:t>://172.16.1.26/questions/5b1688b0172c88d3e97a7b4f</a:t>
             </a:r>
-            <a:endParaRPr lang="en-US" dirty="0"/>
+            <a:endParaRPr lang="en-US" sz="1500" dirty="0">
+              <a:latin typeface="Courier"/>
+              <a:cs typeface="Courier"/>
+            </a:endParaRPr>
           </a:p>
         </p:txBody>
       </p:sp>

--- a/import.pptx
+++ b/import.pptx
@@ -7,6 +7,8 @@
   <p:sldIdLst>
     <p:sldId id="256" r:id="rId2"/>
     <p:sldId id="257" r:id="rId3"/>
+    <p:sldId id="258" r:id="rId4"/>
+    <p:sldId id="259" r:id="rId5"/>
   </p:sldIdLst>
   <p:sldSz cx="9144000" cy="6858000" type="screen4x3"/>
   <p:notesSz cx="6858000" cy="9144000"/>
@@ -3222,6 +3224,142 @@
     <p:extLst>
       <p:ext uri="{BB962C8B-B14F-4D97-AF65-F5344CB8AC3E}">
         <p14:creationId xmlns:p14="http://schemas.microsoft.com/office/powerpoint/2010/main" val="2358037086"/>
+      </p:ext>
+    </p:extLst>
+  </p:cSld>
+  <p:clrMapOvr>
+    <a:masterClrMapping/>
+  </p:clrMapOvr>
+</p:sld>
+</file>
+
+<file path=ppt/slides/slide3.xml><?xml version="1.0" encoding="utf-8"?>
+<p:sld xmlns:a="http://schemas.openxmlformats.org/drawingml/2006/main" xmlns:r="http://schemas.openxmlformats.org/officeDocument/2006/relationships" xmlns:p="http://schemas.openxmlformats.org/presentationml/2006/main">
+  <p:cSld>
+    <p:spTree>
+      <p:nvGrpSpPr>
+        <p:cNvPr id="1" name=""/>
+        <p:cNvGrpSpPr/>
+        <p:nvPr/>
+      </p:nvGrpSpPr>
+      <p:grpSpPr>
+        <a:xfrm>
+          <a:off x="0" y="0"/>
+          <a:ext cx="0" cy="0"/>
+          <a:chOff x="0" y="0"/>
+          <a:chExt cx="0" cy="0"/>
+        </a:xfrm>
+      </p:grpSpPr>
+      <p:sp>
+        <p:nvSpPr>
+          <p:cNvPr id="2" name="Title 1"/>
+          <p:cNvSpPr>
+            <a:spLocks noGrp="1"/>
+          </p:cNvSpPr>
+          <p:nvPr>
+            <p:ph type="ctrTitle"/>
+          </p:nvPr>
+        </p:nvSpPr>
+        <p:spPr/>
+        <p:txBody>
+          <a:bodyPr>
+            <a:normAutofit/>
+          </a:bodyPr>
+          <a:lstStyle/>
+          <a:p>
+            <a:r>
+              <a:rPr lang="fr-FR" sz="1500" dirty="0" err="1" smtClean="0">
+                <a:latin typeface="Courier"/>
+                <a:cs typeface="Courier"/>
+              </a:rPr>
+              <a:t>asq</a:t>
+            </a:r>
+            <a:r>
+              <a:rPr lang="fr-FR" sz="1500" dirty="0" smtClean="0">
+                <a:latin typeface="Courier"/>
+                <a:cs typeface="Courier"/>
+              </a:rPr>
+              <a:t>://172.16.1.26/questions/5b1688b0172c88d3e97a7b52</a:t>
+            </a:r>
+            <a:endParaRPr lang="en-US" sz="1500" dirty="0">
+              <a:latin typeface="Courier"/>
+              <a:cs typeface="Courier"/>
+            </a:endParaRPr>
+          </a:p>
+        </p:txBody>
+      </p:sp>
+    </p:spTree>
+    <p:extLst>
+      <p:ext uri="{BB962C8B-B14F-4D97-AF65-F5344CB8AC3E}">
+        <p14:creationId xmlns:p14="http://schemas.microsoft.com/office/powerpoint/2010/main" val="1176208634"/>
+      </p:ext>
+    </p:extLst>
+  </p:cSld>
+  <p:clrMapOvr>
+    <a:masterClrMapping/>
+  </p:clrMapOvr>
+</p:sld>
+</file>
+
+<file path=ppt/slides/slide4.xml><?xml version="1.0" encoding="utf-8"?>
+<p:sld xmlns:a="http://schemas.openxmlformats.org/drawingml/2006/main" xmlns:r="http://schemas.openxmlformats.org/officeDocument/2006/relationships" xmlns:p="http://schemas.openxmlformats.org/presentationml/2006/main">
+  <p:cSld>
+    <p:spTree>
+      <p:nvGrpSpPr>
+        <p:cNvPr id="1" name=""/>
+        <p:cNvGrpSpPr/>
+        <p:nvPr/>
+      </p:nvGrpSpPr>
+      <p:grpSpPr>
+        <a:xfrm>
+          <a:off x="0" y="0"/>
+          <a:ext cx="0" cy="0"/>
+          <a:chOff x="0" y="0"/>
+          <a:chExt cx="0" cy="0"/>
+        </a:xfrm>
+      </p:grpSpPr>
+      <p:sp>
+        <p:nvSpPr>
+          <p:cNvPr id="2" name="Title 1"/>
+          <p:cNvSpPr>
+            <a:spLocks noGrp="1"/>
+          </p:cNvSpPr>
+          <p:nvPr>
+            <p:ph type="ctrTitle"/>
+          </p:nvPr>
+        </p:nvSpPr>
+        <p:spPr/>
+        <p:txBody>
+          <a:bodyPr>
+            <a:normAutofit/>
+          </a:bodyPr>
+          <a:lstStyle/>
+          <a:p>
+            <a:r>
+              <a:rPr lang="fr-FR" sz="1500" dirty="0" err="1" smtClean="0">
+                <a:latin typeface="Courier"/>
+                <a:cs typeface="Courier"/>
+              </a:rPr>
+              <a:t>asq</a:t>
+            </a:r>
+            <a:r>
+              <a:rPr lang="fr-FR" sz="1500" dirty="0" smtClean="0">
+                <a:latin typeface="Courier"/>
+                <a:cs typeface="Courier"/>
+              </a:rPr>
+              <a:t>://172.16.1.26/questions/5b166264ab2472c689466ca7</a:t>
+            </a:r>
+            <a:endParaRPr lang="en-US" sz="1500" dirty="0">
+              <a:latin typeface="Courier"/>
+              <a:cs typeface="Courier"/>
+            </a:endParaRPr>
+          </a:p>
+        </p:txBody>
+      </p:sp>
+    </p:spTree>
+    <p:extLst>
+      <p:ext uri="{BB962C8B-B14F-4D97-AF65-F5344CB8AC3E}">
+        <p14:creationId xmlns:p14="http://schemas.microsoft.com/office/powerpoint/2010/main" val="206658995"/>
       </p:ext>
     </p:extLst>
   </p:cSld>

--- a/import.pptx
+++ b/import.pptx
@@ -3211,7 +3211,21 @@
                 <a:latin typeface="Courier"/>
                 <a:cs typeface="Courier"/>
               </a:rPr>
-              <a:t>://172.16.1.26/questions/5b1688b0172c88d3e97a7b4f</a:t>
+              <a:t>://</a:t>
+            </a:r>
+            <a:r>
+              <a:rPr lang="fr-FR" sz="1500" dirty="0" err="1" smtClean="0">
+                <a:latin typeface="Courier"/>
+                <a:cs typeface="Courier"/>
+              </a:rPr>
+              <a:t>dev.asq.inf.usi.ch</a:t>
+            </a:r>
+            <a:r>
+              <a:rPr lang="fr-FR" sz="1500" dirty="0" smtClean="0">
+                <a:latin typeface="Courier"/>
+                <a:cs typeface="Courier"/>
+              </a:rPr>
+              <a:t>/questions/5b171fb7bb1d6b003950a286</a:t>
             </a:r>
             <a:endParaRPr lang="en-US" sz="1500" dirty="0">
               <a:latin typeface="Courier"/>
@@ -3279,7 +3293,21 @@
                 <a:latin typeface="Courier"/>
                 <a:cs typeface="Courier"/>
               </a:rPr>
-              <a:t>://172.16.1.26/questions/5b1688b0172c88d3e97a7b52</a:t>
+              <a:t>://</a:t>
+            </a:r>
+            <a:r>
+              <a:rPr lang="fr-FR" sz="1500" dirty="0" err="1" smtClean="0">
+                <a:latin typeface="Courier"/>
+                <a:cs typeface="Courier"/>
+              </a:rPr>
+              <a:t>dev.asq.inf.usi.ch</a:t>
+            </a:r>
+            <a:r>
+              <a:rPr lang="fr-FR" sz="1500" dirty="0" smtClean="0">
+                <a:latin typeface="Courier"/>
+                <a:cs typeface="Courier"/>
+              </a:rPr>
+              <a:t>/questions/5b171fb7bb1d6b003950a285</a:t>
             </a:r>
             <a:endParaRPr lang="en-US" sz="1500" dirty="0">
               <a:latin typeface="Courier"/>
@@ -3347,7 +3375,21 @@
                 <a:latin typeface="Courier"/>
                 <a:cs typeface="Courier"/>
               </a:rPr>
-              <a:t>://172.16.1.26/questions/5b166264ab2472c689466ca7</a:t>
+              <a:t>://</a:t>
+            </a:r>
+            <a:r>
+              <a:rPr lang="fr-FR" sz="1500" dirty="0" err="1" smtClean="0">
+                <a:latin typeface="Courier"/>
+                <a:cs typeface="Courier"/>
+              </a:rPr>
+              <a:t>dev.asq.inf.usi.ch</a:t>
+            </a:r>
+            <a:r>
+              <a:rPr lang="fr-FR" sz="1500" dirty="0" smtClean="0">
+                <a:latin typeface="Courier"/>
+                <a:cs typeface="Courier"/>
+              </a:rPr>
+              <a:t>/questions/5b1720a9bb1d6b003950a2e0</a:t>
             </a:r>
             <a:endParaRPr lang="en-US" sz="1500" dirty="0">
               <a:latin typeface="Courier"/>
